--- a/CSD33.pptx
+++ b/CSD33.pptx
@@ -496,7 +496,7 @@
           <p:cNvPr id="2" name="Заголовок 1">
             <a:extLst>
               <a:ext uri="{FF2B5EF4-FFF2-40B4-BE49-F238E27FC236}">
-                <a16:creationId xmlns:a16="http://schemas.microsoft.com/office/drawing/2014/main" xmlns="" id="{9A1835C7-D7EB-4022-9BA7-1806A2EC1DED}"/>
+                <a16:creationId xmlns="" xmlns:a16="http://schemas.microsoft.com/office/drawing/2014/main" id="{9A1835C7-D7EB-4022-9BA7-1806A2EC1DED}"/>
               </a:ext>
             </a:extLst>
           </p:cNvPr>
@@ -534,7 +534,7 @@
           <p:cNvPr id="3" name="Підзаголовок 2">
             <a:extLst>
               <a:ext uri="{FF2B5EF4-FFF2-40B4-BE49-F238E27FC236}">
-                <a16:creationId xmlns:a16="http://schemas.microsoft.com/office/drawing/2014/main" xmlns="" id="{93A35B32-2266-4FE6-B037-17B81D96EB49}"/>
+                <a16:creationId xmlns="" xmlns:a16="http://schemas.microsoft.com/office/drawing/2014/main" id="{93A35B32-2266-4FE6-B037-17B81D96EB49}"/>
               </a:ext>
             </a:extLst>
           </p:cNvPr>
@@ -605,7 +605,7 @@
           <p:cNvPr id="4" name="Місце для дати 3">
             <a:extLst>
               <a:ext uri="{FF2B5EF4-FFF2-40B4-BE49-F238E27FC236}">
-                <a16:creationId xmlns:a16="http://schemas.microsoft.com/office/drawing/2014/main" xmlns="" id="{30B05AB9-E576-47C5-B065-EAF84230B320}"/>
+                <a16:creationId xmlns="" xmlns:a16="http://schemas.microsoft.com/office/drawing/2014/main" id="{30B05AB9-E576-47C5-B065-EAF84230B320}"/>
               </a:ext>
             </a:extLst>
           </p:cNvPr>
@@ -634,7 +634,7 @@
           <p:cNvPr id="5" name="Місце для нижнього колонтитула 4">
             <a:extLst>
               <a:ext uri="{FF2B5EF4-FFF2-40B4-BE49-F238E27FC236}">
-                <a16:creationId xmlns:a16="http://schemas.microsoft.com/office/drawing/2014/main" xmlns="" id="{1AD0FE02-323A-41BA-B9FB-4785264BBAC1}"/>
+                <a16:creationId xmlns="" xmlns:a16="http://schemas.microsoft.com/office/drawing/2014/main" id="{1AD0FE02-323A-41BA-B9FB-4785264BBAC1}"/>
               </a:ext>
             </a:extLst>
           </p:cNvPr>
@@ -659,7 +659,7 @@
           <p:cNvPr id="6" name="Місце для номера слайда 5">
             <a:extLst>
               <a:ext uri="{FF2B5EF4-FFF2-40B4-BE49-F238E27FC236}">
-                <a16:creationId xmlns:a16="http://schemas.microsoft.com/office/drawing/2014/main" xmlns="" id="{90637974-2359-45E4-A137-5DDFF3F31161}"/>
+                <a16:creationId xmlns="" xmlns:a16="http://schemas.microsoft.com/office/drawing/2014/main" id="{90637974-2359-45E4-A137-5DDFF3F31161}"/>
               </a:ext>
             </a:extLst>
           </p:cNvPr>
@@ -718,7 +718,7 @@
           <p:cNvPr id="2" name="Заголовок 1">
             <a:extLst>
               <a:ext uri="{FF2B5EF4-FFF2-40B4-BE49-F238E27FC236}">
-                <a16:creationId xmlns:a16="http://schemas.microsoft.com/office/drawing/2014/main" xmlns="" id="{982C4494-6191-4958-A034-4A66F130C601}"/>
+                <a16:creationId xmlns="" xmlns:a16="http://schemas.microsoft.com/office/drawing/2014/main" id="{982C4494-6191-4958-A034-4A66F130C601}"/>
               </a:ext>
             </a:extLst>
           </p:cNvPr>
@@ -756,7 +756,7 @@
           <p:cNvPr id="3" name="Місце для зображення 2">
             <a:extLst>
               <a:ext uri="{FF2B5EF4-FFF2-40B4-BE49-F238E27FC236}">
-                <a16:creationId xmlns:a16="http://schemas.microsoft.com/office/drawing/2014/main" xmlns="" id="{3C036E6B-E183-4E22-921A-83895BAC819E}"/>
+                <a16:creationId xmlns="" xmlns:a16="http://schemas.microsoft.com/office/drawing/2014/main" id="{3C036E6B-E183-4E22-921A-83895BAC819E}"/>
               </a:ext>
             </a:extLst>
           </p:cNvPr>
@@ -823,7 +823,7 @@
           <p:cNvPr id="4" name="Місце для тексту 3">
             <a:extLst>
               <a:ext uri="{FF2B5EF4-FFF2-40B4-BE49-F238E27FC236}">
-                <a16:creationId xmlns:a16="http://schemas.microsoft.com/office/drawing/2014/main" xmlns="" id="{464398B5-1CD4-4804-92B8-C008525A43B2}"/>
+                <a16:creationId xmlns="" xmlns:a16="http://schemas.microsoft.com/office/drawing/2014/main" id="{464398B5-1CD4-4804-92B8-C008525A43B2}"/>
               </a:ext>
             </a:extLst>
           </p:cNvPr>
@@ -894,7 +894,7 @@
           <p:cNvPr id="5" name="Місце для дати 4">
             <a:extLst>
               <a:ext uri="{FF2B5EF4-FFF2-40B4-BE49-F238E27FC236}">
-                <a16:creationId xmlns:a16="http://schemas.microsoft.com/office/drawing/2014/main" xmlns="" id="{3C8D264C-7B27-478A-B03B-638C7606A845}"/>
+                <a16:creationId xmlns="" xmlns:a16="http://schemas.microsoft.com/office/drawing/2014/main" id="{3C8D264C-7B27-478A-B03B-638C7606A845}"/>
               </a:ext>
             </a:extLst>
           </p:cNvPr>
@@ -923,7 +923,7 @@
           <p:cNvPr id="6" name="Місце для нижнього колонтитула 5">
             <a:extLst>
               <a:ext uri="{FF2B5EF4-FFF2-40B4-BE49-F238E27FC236}">
-                <a16:creationId xmlns:a16="http://schemas.microsoft.com/office/drawing/2014/main" xmlns="" id="{44415CCF-1695-43AB-99C1-E4EA9A2FEAA2}"/>
+                <a16:creationId xmlns="" xmlns:a16="http://schemas.microsoft.com/office/drawing/2014/main" id="{44415CCF-1695-43AB-99C1-E4EA9A2FEAA2}"/>
               </a:ext>
             </a:extLst>
           </p:cNvPr>
@@ -948,7 +948,7 @@
           <p:cNvPr id="7" name="Місце для номера слайда 6">
             <a:extLst>
               <a:ext uri="{FF2B5EF4-FFF2-40B4-BE49-F238E27FC236}">
-                <a16:creationId xmlns:a16="http://schemas.microsoft.com/office/drawing/2014/main" xmlns="" id="{ADCE899E-3EF1-4E6B-8F20-612521B6E214}"/>
+                <a16:creationId xmlns="" xmlns:a16="http://schemas.microsoft.com/office/drawing/2014/main" id="{ADCE899E-3EF1-4E6B-8F20-612521B6E214}"/>
               </a:ext>
             </a:extLst>
           </p:cNvPr>
@@ -1007,7 +1007,7 @@
           <p:cNvPr id="2" name="Заголовок 1">
             <a:extLst>
               <a:ext uri="{FF2B5EF4-FFF2-40B4-BE49-F238E27FC236}">
-                <a16:creationId xmlns:a16="http://schemas.microsoft.com/office/drawing/2014/main" xmlns="" id="{69B043BE-8F34-4F14-B70E-15F1545DEEC2}"/>
+                <a16:creationId xmlns="" xmlns:a16="http://schemas.microsoft.com/office/drawing/2014/main" id="{69B043BE-8F34-4F14-B70E-15F1545DEEC2}"/>
               </a:ext>
             </a:extLst>
           </p:cNvPr>
@@ -1036,7 +1036,7 @@
           <p:cNvPr id="3" name="Місце для вертикального тексту 2">
             <a:extLst>
               <a:ext uri="{FF2B5EF4-FFF2-40B4-BE49-F238E27FC236}">
-                <a16:creationId xmlns:a16="http://schemas.microsoft.com/office/drawing/2014/main" xmlns="" id="{10FFB046-098C-4358-AA2C-6EBD20CFA7D0}"/>
+                <a16:creationId xmlns="" xmlns:a16="http://schemas.microsoft.com/office/drawing/2014/main" id="{10FFB046-098C-4358-AA2C-6EBD20CFA7D0}"/>
               </a:ext>
             </a:extLst>
           </p:cNvPr>
@@ -1094,7 +1094,7 @@
           <p:cNvPr id="4" name="Місце для дати 3">
             <a:extLst>
               <a:ext uri="{FF2B5EF4-FFF2-40B4-BE49-F238E27FC236}">
-                <a16:creationId xmlns:a16="http://schemas.microsoft.com/office/drawing/2014/main" xmlns="" id="{8F124716-4657-4267-B310-DFB36E3A5FDF}"/>
+                <a16:creationId xmlns="" xmlns:a16="http://schemas.microsoft.com/office/drawing/2014/main" id="{8F124716-4657-4267-B310-DFB36E3A5FDF}"/>
               </a:ext>
             </a:extLst>
           </p:cNvPr>
@@ -1123,7 +1123,7 @@
           <p:cNvPr id="5" name="Місце для нижнього колонтитула 4">
             <a:extLst>
               <a:ext uri="{FF2B5EF4-FFF2-40B4-BE49-F238E27FC236}">
-                <a16:creationId xmlns:a16="http://schemas.microsoft.com/office/drawing/2014/main" xmlns="" id="{E9C3F554-852C-40E9-99C3-F1A8D7E6492B}"/>
+                <a16:creationId xmlns="" xmlns:a16="http://schemas.microsoft.com/office/drawing/2014/main" id="{E9C3F554-852C-40E9-99C3-F1A8D7E6492B}"/>
               </a:ext>
             </a:extLst>
           </p:cNvPr>
@@ -1148,7 +1148,7 @@
           <p:cNvPr id="6" name="Місце для номера слайда 5">
             <a:extLst>
               <a:ext uri="{FF2B5EF4-FFF2-40B4-BE49-F238E27FC236}">
-                <a16:creationId xmlns:a16="http://schemas.microsoft.com/office/drawing/2014/main" xmlns="" id="{542B93C6-C415-4C40-9138-02C5DCF5D526}"/>
+                <a16:creationId xmlns="" xmlns:a16="http://schemas.microsoft.com/office/drawing/2014/main" id="{542B93C6-C415-4C40-9138-02C5DCF5D526}"/>
               </a:ext>
             </a:extLst>
           </p:cNvPr>
@@ -1207,7 +1207,7 @@
           <p:cNvPr id="2" name="Вертикальний заголовок 1">
             <a:extLst>
               <a:ext uri="{FF2B5EF4-FFF2-40B4-BE49-F238E27FC236}">
-                <a16:creationId xmlns:a16="http://schemas.microsoft.com/office/drawing/2014/main" xmlns="" id="{4BCF8F19-9F49-466C-A53E-026C4FD22469}"/>
+                <a16:creationId xmlns="" xmlns:a16="http://schemas.microsoft.com/office/drawing/2014/main" id="{4BCF8F19-9F49-466C-A53E-026C4FD22469}"/>
               </a:ext>
             </a:extLst>
           </p:cNvPr>
@@ -1241,7 +1241,7 @@
           <p:cNvPr id="3" name="Місце для вертикального тексту 2">
             <a:extLst>
               <a:ext uri="{FF2B5EF4-FFF2-40B4-BE49-F238E27FC236}">
-                <a16:creationId xmlns:a16="http://schemas.microsoft.com/office/drawing/2014/main" xmlns="" id="{CA9308E9-8308-455A-933B-5E8C4C246A2D}"/>
+                <a16:creationId xmlns="" xmlns:a16="http://schemas.microsoft.com/office/drawing/2014/main" id="{CA9308E9-8308-455A-933B-5E8C4C246A2D}"/>
               </a:ext>
             </a:extLst>
           </p:cNvPr>
@@ -1304,7 +1304,7 @@
           <p:cNvPr id="4" name="Місце для дати 3">
             <a:extLst>
               <a:ext uri="{FF2B5EF4-FFF2-40B4-BE49-F238E27FC236}">
-                <a16:creationId xmlns:a16="http://schemas.microsoft.com/office/drawing/2014/main" xmlns="" id="{D54EB05E-1DB2-43DD-A44C-1A7928EE618F}"/>
+                <a16:creationId xmlns="" xmlns:a16="http://schemas.microsoft.com/office/drawing/2014/main" id="{D54EB05E-1DB2-43DD-A44C-1A7928EE618F}"/>
               </a:ext>
             </a:extLst>
           </p:cNvPr>
@@ -1333,7 +1333,7 @@
           <p:cNvPr id="5" name="Місце для нижнього колонтитула 4">
             <a:extLst>
               <a:ext uri="{FF2B5EF4-FFF2-40B4-BE49-F238E27FC236}">
-                <a16:creationId xmlns:a16="http://schemas.microsoft.com/office/drawing/2014/main" xmlns="" id="{72DF650B-B98D-46CD-87A8-866F2DF1E66E}"/>
+                <a16:creationId xmlns="" xmlns:a16="http://schemas.microsoft.com/office/drawing/2014/main" id="{72DF650B-B98D-46CD-87A8-866F2DF1E66E}"/>
               </a:ext>
             </a:extLst>
           </p:cNvPr>
@@ -1358,7 +1358,7 @@
           <p:cNvPr id="6" name="Місце для номера слайда 5">
             <a:extLst>
               <a:ext uri="{FF2B5EF4-FFF2-40B4-BE49-F238E27FC236}">
-                <a16:creationId xmlns:a16="http://schemas.microsoft.com/office/drawing/2014/main" xmlns="" id="{37A56A33-A69D-416E-BF77-3E2DB3511E11}"/>
+                <a16:creationId xmlns="" xmlns:a16="http://schemas.microsoft.com/office/drawing/2014/main" id="{37A56A33-A69D-416E-BF77-3E2DB3511E11}"/>
               </a:ext>
             </a:extLst>
           </p:cNvPr>
@@ -2222,7 +2222,7 @@
           <p:cNvPr id="2" name="Title 1">
             <a:extLst>
               <a:ext uri="{FF2B5EF4-FFF2-40B4-BE49-F238E27FC236}">
-                <a16:creationId xmlns:a16="http://schemas.microsoft.com/office/drawing/2014/main" xmlns="" id="{FD616B05-4B85-5D48-9A5B-15D5D64ABBD3}"/>
+                <a16:creationId xmlns="" xmlns:a16="http://schemas.microsoft.com/office/drawing/2014/main" id="{FD616B05-4B85-5D48-9A5B-15D5D64ABBD3}"/>
               </a:ext>
             </a:extLst>
           </p:cNvPr>
@@ -2259,7 +2259,7 @@
           <p:cNvPr id="3" name="Content Placeholder 2">
             <a:extLst>
               <a:ext uri="{FF2B5EF4-FFF2-40B4-BE49-F238E27FC236}">
-                <a16:creationId xmlns:a16="http://schemas.microsoft.com/office/drawing/2014/main" xmlns="" id="{AEC3C0B6-E809-9541-968A-C17FB0308E89}"/>
+                <a16:creationId xmlns="" xmlns:a16="http://schemas.microsoft.com/office/drawing/2014/main" id="{AEC3C0B6-E809-9541-968A-C17FB0308E89}"/>
               </a:ext>
             </a:extLst>
           </p:cNvPr>
@@ -2340,7 +2340,7 @@
           <p:cNvPr id="6" name="Footer Placeholder 4">
             <a:extLst>
               <a:ext uri="{FF2B5EF4-FFF2-40B4-BE49-F238E27FC236}">
-                <a16:creationId xmlns:a16="http://schemas.microsoft.com/office/drawing/2014/main" xmlns="" id="{67231140-1CFD-604E-9043-CF24B588CE02}"/>
+                <a16:creationId xmlns="" xmlns:a16="http://schemas.microsoft.com/office/drawing/2014/main" id="{67231140-1CFD-604E-9043-CF24B588CE02}"/>
               </a:ext>
             </a:extLst>
           </p:cNvPr>
@@ -2392,7 +2392,7 @@
           <p:cNvPr id="7" name="Slide Number Placeholder 5">
             <a:extLst>
               <a:ext uri="{FF2B5EF4-FFF2-40B4-BE49-F238E27FC236}">
-                <a16:creationId xmlns:a16="http://schemas.microsoft.com/office/drawing/2014/main" xmlns="" id="{E515A3FA-235C-F948-BBCC-D89F48F72088}"/>
+                <a16:creationId xmlns="" xmlns:a16="http://schemas.microsoft.com/office/drawing/2014/main" id="{E515A3FA-235C-F948-BBCC-D89F48F72088}"/>
               </a:ext>
             </a:extLst>
           </p:cNvPr>
@@ -2513,7 +2513,7 @@
           <p:cNvPr id="2" name="Title 1">
             <a:extLst>
               <a:ext uri="{FF2B5EF4-FFF2-40B4-BE49-F238E27FC236}">
-                <a16:creationId xmlns:a16="http://schemas.microsoft.com/office/drawing/2014/main" xmlns="" id="{FD616B05-4B85-5D48-9A5B-15D5D64ABBD3}"/>
+                <a16:creationId xmlns="" xmlns:a16="http://schemas.microsoft.com/office/drawing/2014/main" id="{FD616B05-4B85-5D48-9A5B-15D5D64ABBD3}"/>
               </a:ext>
             </a:extLst>
           </p:cNvPr>
@@ -2550,7 +2550,7 @@
           <p:cNvPr id="3" name="Content Placeholder 2">
             <a:extLst>
               <a:ext uri="{FF2B5EF4-FFF2-40B4-BE49-F238E27FC236}">
-                <a16:creationId xmlns:a16="http://schemas.microsoft.com/office/drawing/2014/main" xmlns="" id="{AEC3C0B6-E809-9541-968A-C17FB0308E89}"/>
+                <a16:creationId xmlns="" xmlns:a16="http://schemas.microsoft.com/office/drawing/2014/main" id="{AEC3C0B6-E809-9541-968A-C17FB0308E89}"/>
               </a:ext>
             </a:extLst>
           </p:cNvPr>
@@ -2631,7 +2631,7 @@
           <p:cNvPr id="6" name="Footer Placeholder 4">
             <a:extLst>
               <a:ext uri="{FF2B5EF4-FFF2-40B4-BE49-F238E27FC236}">
-                <a16:creationId xmlns:a16="http://schemas.microsoft.com/office/drawing/2014/main" xmlns="" id="{67231140-1CFD-604E-9043-CF24B588CE02}"/>
+                <a16:creationId xmlns="" xmlns:a16="http://schemas.microsoft.com/office/drawing/2014/main" id="{67231140-1CFD-604E-9043-CF24B588CE02}"/>
               </a:ext>
             </a:extLst>
           </p:cNvPr>
@@ -2683,7 +2683,7 @@
           <p:cNvPr id="7" name="Slide Number Placeholder 5">
             <a:extLst>
               <a:ext uri="{FF2B5EF4-FFF2-40B4-BE49-F238E27FC236}">
-                <a16:creationId xmlns:a16="http://schemas.microsoft.com/office/drawing/2014/main" xmlns="" id="{E515A3FA-235C-F948-BBCC-D89F48F72088}"/>
+                <a16:creationId xmlns="" xmlns:a16="http://schemas.microsoft.com/office/drawing/2014/main" id="{E515A3FA-235C-F948-BBCC-D89F48F72088}"/>
               </a:ext>
             </a:extLst>
           </p:cNvPr>
@@ -2804,7 +2804,7 @@
           <p:cNvPr id="2" name="Title 1">
             <a:extLst>
               <a:ext uri="{FF2B5EF4-FFF2-40B4-BE49-F238E27FC236}">
-                <a16:creationId xmlns:a16="http://schemas.microsoft.com/office/drawing/2014/main" xmlns="" id="{FD616B05-4B85-5D48-9A5B-15D5D64ABBD3}"/>
+                <a16:creationId xmlns="" xmlns:a16="http://schemas.microsoft.com/office/drawing/2014/main" id="{FD616B05-4B85-5D48-9A5B-15D5D64ABBD3}"/>
               </a:ext>
             </a:extLst>
           </p:cNvPr>
@@ -2841,7 +2841,7 @@
           <p:cNvPr id="3" name="Content Placeholder 2">
             <a:extLst>
               <a:ext uri="{FF2B5EF4-FFF2-40B4-BE49-F238E27FC236}">
-                <a16:creationId xmlns:a16="http://schemas.microsoft.com/office/drawing/2014/main" xmlns="" id="{AEC3C0B6-E809-9541-968A-C17FB0308E89}"/>
+                <a16:creationId xmlns="" xmlns:a16="http://schemas.microsoft.com/office/drawing/2014/main" id="{AEC3C0B6-E809-9541-968A-C17FB0308E89}"/>
               </a:ext>
             </a:extLst>
           </p:cNvPr>
@@ -2922,7 +2922,7 @@
           <p:cNvPr id="6" name="Footer Placeholder 4">
             <a:extLst>
               <a:ext uri="{FF2B5EF4-FFF2-40B4-BE49-F238E27FC236}">
-                <a16:creationId xmlns:a16="http://schemas.microsoft.com/office/drawing/2014/main" xmlns="" id="{67231140-1CFD-604E-9043-CF24B588CE02}"/>
+                <a16:creationId xmlns="" xmlns:a16="http://schemas.microsoft.com/office/drawing/2014/main" id="{67231140-1CFD-604E-9043-CF24B588CE02}"/>
               </a:ext>
             </a:extLst>
           </p:cNvPr>
@@ -2974,7 +2974,7 @@
           <p:cNvPr id="7" name="Slide Number Placeholder 5">
             <a:extLst>
               <a:ext uri="{FF2B5EF4-FFF2-40B4-BE49-F238E27FC236}">
-                <a16:creationId xmlns:a16="http://schemas.microsoft.com/office/drawing/2014/main" xmlns="" id="{E515A3FA-235C-F948-BBCC-D89F48F72088}"/>
+                <a16:creationId xmlns="" xmlns:a16="http://schemas.microsoft.com/office/drawing/2014/main" id="{E515A3FA-235C-F948-BBCC-D89F48F72088}"/>
               </a:ext>
             </a:extLst>
           </p:cNvPr>
@@ -3095,7 +3095,7 @@
           <p:cNvPr id="2" name="Title 1">
             <a:extLst>
               <a:ext uri="{FF2B5EF4-FFF2-40B4-BE49-F238E27FC236}">
-                <a16:creationId xmlns:a16="http://schemas.microsoft.com/office/drawing/2014/main" xmlns="" id="{FD616B05-4B85-5D48-9A5B-15D5D64ABBD3}"/>
+                <a16:creationId xmlns="" xmlns:a16="http://schemas.microsoft.com/office/drawing/2014/main" id="{FD616B05-4B85-5D48-9A5B-15D5D64ABBD3}"/>
               </a:ext>
             </a:extLst>
           </p:cNvPr>
@@ -3132,7 +3132,7 @@
           <p:cNvPr id="3" name="Content Placeholder 2">
             <a:extLst>
               <a:ext uri="{FF2B5EF4-FFF2-40B4-BE49-F238E27FC236}">
-                <a16:creationId xmlns:a16="http://schemas.microsoft.com/office/drawing/2014/main" xmlns="" id="{AEC3C0B6-E809-9541-968A-C17FB0308E89}"/>
+                <a16:creationId xmlns="" xmlns:a16="http://schemas.microsoft.com/office/drawing/2014/main" id="{AEC3C0B6-E809-9541-968A-C17FB0308E89}"/>
               </a:ext>
             </a:extLst>
           </p:cNvPr>
@@ -3213,7 +3213,7 @@
           <p:cNvPr id="6" name="Footer Placeholder 4">
             <a:extLst>
               <a:ext uri="{FF2B5EF4-FFF2-40B4-BE49-F238E27FC236}">
-                <a16:creationId xmlns:a16="http://schemas.microsoft.com/office/drawing/2014/main" xmlns="" id="{67231140-1CFD-604E-9043-CF24B588CE02}"/>
+                <a16:creationId xmlns="" xmlns:a16="http://schemas.microsoft.com/office/drawing/2014/main" id="{67231140-1CFD-604E-9043-CF24B588CE02}"/>
               </a:ext>
             </a:extLst>
           </p:cNvPr>
@@ -3265,7 +3265,7 @@
           <p:cNvPr id="7" name="Slide Number Placeholder 5">
             <a:extLst>
               <a:ext uri="{FF2B5EF4-FFF2-40B4-BE49-F238E27FC236}">
-                <a16:creationId xmlns:a16="http://schemas.microsoft.com/office/drawing/2014/main" xmlns="" id="{E515A3FA-235C-F948-BBCC-D89F48F72088}"/>
+                <a16:creationId xmlns="" xmlns:a16="http://schemas.microsoft.com/office/drawing/2014/main" id="{E515A3FA-235C-F948-BBCC-D89F48F72088}"/>
               </a:ext>
             </a:extLst>
           </p:cNvPr>
@@ -3386,7 +3386,7 @@
           <p:cNvPr id="2" name="Title 1">
             <a:extLst>
               <a:ext uri="{FF2B5EF4-FFF2-40B4-BE49-F238E27FC236}">
-                <a16:creationId xmlns:a16="http://schemas.microsoft.com/office/drawing/2014/main" xmlns="" id="{FD616B05-4B85-5D48-9A5B-15D5D64ABBD3}"/>
+                <a16:creationId xmlns="" xmlns:a16="http://schemas.microsoft.com/office/drawing/2014/main" id="{FD616B05-4B85-5D48-9A5B-15D5D64ABBD3}"/>
               </a:ext>
             </a:extLst>
           </p:cNvPr>
@@ -3423,7 +3423,7 @@
           <p:cNvPr id="3" name="Content Placeholder 2">
             <a:extLst>
               <a:ext uri="{FF2B5EF4-FFF2-40B4-BE49-F238E27FC236}">
-                <a16:creationId xmlns:a16="http://schemas.microsoft.com/office/drawing/2014/main" xmlns="" id="{AEC3C0B6-E809-9541-968A-C17FB0308E89}"/>
+                <a16:creationId xmlns="" xmlns:a16="http://schemas.microsoft.com/office/drawing/2014/main" id="{AEC3C0B6-E809-9541-968A-C17FB0308E89}"/>
               </a:ext>
             </a:extLst>
           </p:cNvPr>
@@ -3504,7 +3504,7 @@
           <p:cNvPr id="6" name="Footer Placeholder 4">
             <a:extLst>
               <a:ext uri="{FF2B5EF4-FFF2-40B4-BE49-F238E27FC236}">
-                <a16:creationId xmlns:a16="http://schemas.microsoft.com/office/drawing/2014/main" xmlns="" id="{67231140-1CFD-604E-9043-CF24B588CE02}"/>
+                <a16:creationId xmlns="" xmlns:a16="http://schemas.microsoft.com/office/drawing/2014/main" id="{67231140-1CFD-604E-9043-CF24B588CE02}"/>
               </a:ext>
             </a:extLst>
           </p:cNvPr>
@@ -3556,7 +3556,7 @@
           <p:cNvPr id="7" name="Slide Number Placeholder 5">
             <a:extLst>
               <a:ext uri="{FF2B5EF4-FFF2-40B4-BE49-F238E27FC236}">
-                <a16:creationId xmlns:a16="http://schemas.microsoft.com/office/drawing/2014/main" xmlns="" id="{E515A3FA-235C-F948-BBCC-D89F48F72088}"/>
+                <a16:creationId xmlns="" xmlns:a16="http://schemas.microsoft.com/office/drawing/2014/main" id="{E515A3FA-235C-F948-BBCC-D89F48F72088}"/>
               </a:ext>
             </a:extLst>
           </p:cNvPr>
@@ -3677,7 +3677,7 @@
           <p:cNvPr id="2" name="Title 1">
             <a:extLst>
               <a:ext uri="{FF2B5EF4-FFF2-40B4-BE49-F238E27FC236}">
-                <a16:creationId xmlns:a16="http://schemas.microsoft.com/office/drawing/2014/main" xmlns="" id="{FD616B05-4B85-5D48-9A5B-15D5D64ABBD3}"/>
+                <a16:creationId xmlns="" xmlns:a16="http://schemas.microsoft.com/office/drawing/2014/main" id="{FD616B05-4B85-5D48-9A5B-15D5D64ABBD3}"/>
               </a:ext>
             </a:extLst>
           </p:cNvPr>
@@ -3714,7 +3714,7 @@
           <p:cNvPr id="3" name="Content Placeholder 2">
             <a:extLst>
               <a:ext uri="{FF2B5EF4-FFF2-40B4-BE49-F238E27FC236}">
-                <a16:creationId xmlns:a16="http://schemas.microsoft.com/office/drawing/2014/main" xmlns="" id="{AEC3C0B6-E809-9541-968A-C17FB0308E89}"/>
+                <a16:creationId xmlns="" xmlns:a16="http://schemas.microsoft.com/office/drawing/2014/main" id="{AEC3C0B6-E809-9541-968A-C17FB0308E89}"/>
               </a:ext>
             </a:extLst>
           </p:cNvPr>
@@ -3795,7 +3795,7 @@
           <p:cNvPr id="6" name="Footer Placeholder 4">
             <a:extLst>
               <a:ext uri="{FF2B5EF4-FFF2-40B4-BE49-F238E27FC236}">
-                <a16:creationId xmlns:a16="http://schemas.microsoft.com/office/drawing/2014/main" xmlns="" id="{67231140-1CFD-604E-9043-CF24B588CE02}"/>
+                <a16:creationId xmlns="" xmlns:a16="http://schemas.microsoft.com/office/drawing/2014/main" id="{67231140-1CFD-604E-9043-CF24B588CE02}"/>
               </a:ext>
             </a:extLst>
           </p:cNvPr>
@@ -3847,7 +3847,7 @@
           <p:cNvPr id="7" name="Slide Number Placeholder 5">
             <a:extLst>
               <a:ext uri="{FF2B5EF4-FFF2-40B4-BE49-F238E27FC236}">
-                <a16:creationId xmlns:a16="http://schemas.microsoft.com/office/drawing/2014/main" xmlns="" id="{E515A3FA-235C-F948-BBCC-D89F48F72088}"/>
+                <a16:creationId xmlns="" xmlns:a16="http://schemas.microsoft.com/office/drawing/2014/main" id="{E515A3FA-235C-F948-BBCC-D89F48F72088}"/>
               </a:ext>
             </a:extLst>
           </p:cNvPr>
@@ -3954,7 +3954,7 @@
           <p:cNvPr id="3" name="Місце для вмісту 2">
             <a:extLst>
               <a:ext uri="{FF2B5EF4-FFF2-40B4-BE49-F238E27FC236}">
-                <a16:creationId xmlns:a16="http://schemas.microsoft.com/office/drawing/2014/main" xmlns="" id="{9C682F0F-1E71-4AA5-A2C6-6B562743287C}"/>
+                <a16:creationId xmlns="" xmlns:a16="http://schemas.microsoft.com/office/drawing/2014/main" id="{9C682F0F-1E71-4AA5-A2C6-6B562743287C}"/>
               </a:ext>
             </a:extLst>
           </p:cNvPr>
@@ -4017,7 +4017,7 @@
           <p:cNvPr id="4" name="Місце для дати 3">
             <a:extLst>
               <a:ext uri="{FF2B5EF4-FFF2-40B4-BE49-F238E27FC236}">
-                <a16:creationId xmlns:a16="http://schemas.microsoft.com/office/drawing/2014/main" xmlns="" id="{50E7B5AF-9CAA-4064-BD08-2449FFBA60DB}"/>
+                <a16:creationId xmlns="" xmlns:a16="http://schemas.microsoft.com/office/drawing/2014/main" id="{50E7B5AF-9CAA-4064-BD08-2449FFBA60DB}"/>
               </a:ext>
             </a:extLst>
           </p:cNvPr>
@@ -4046,7 +4046,7 @@
           <p:cNvPr id="5" name="Місце для нижнього колонтитула 4">
             <a:extLst>
               <a:ext uri="{FF2B5EF4-FFF2-40B4-BE49-F238E27FC236}">
-                <a16:creationId xmlns:a16="http://schemas.microsoft.com/office/drawing/2014/main" xmlns="" id="{9A556A2F-9214-4439-B62F-5F107B080531}"/>
+                <a16:creationId xmlns="" xmlns:a16="http://schemas.microsoft.com/office/drawing/2014/main" id="{9A556A2F-9214-4439-B62F-5F107B080531}"/>
               </a:ext>
             </a:extLst>
           </p:cNvPr>
@@ -4071,7 +4071,7 @@
           <p:cNvPr id="11" name="Прямокутник 10">
             <a:extLst>
               <a:ext uri="{FF2B5EF4-FFF2-40B4-BE49-F238E27FC236}">
-                <a16:creationId xmlns:a16="http://schemas.microsoft.com/office/drawing/2014/main" xmlns="" id="{183E0956-E712-44DE-9186-7F0DE26E1B60}"/>
+                <a16:creationId xmlns="" xmlns:a16="http://schemas.microsoft.com/office/drawing/2014/main" id="{183E0956-E712-44DE-9186-7F0DE26E1B60}"/>
               </a:ext>
             </a:extLst>
           </p:cNvPr>
@@ -4123,7 +4123,7 @@
           <p:cNvPr id="6" name="Місце для номера слайда 5">
             <a:extLst>
               <a:ext uri="{FF2B5EF4-FFF2-40B4-BE49-F238E27FC236}">
-                <a16:creationId xmlns:a16="http://schemas.microsoft.com/office/drawing/2014/main" xmlns="" id="{B89E5CC8-1FB3-4B16-B8C2-252421E47F44}"/>
+                <a16:creationId xmlns="" xmlns:a16="http://schemas.microsoft.com/office/drawing/2014/main" id="{B89E5CC8-1FB3-4B16-B8C2-252421E47F44}"/>
               </a:ext>
             </a:extLst>
           </p:cNvPr>
@@ -4152,7 +4152,7 @@
           <p:cNvPr id="10" name="Рисунок 9">
             <a:extLst>
               <a:ext uri="{FF2B5EF4-FFF2-40B4-BE49-F238E27FC236}">
-                <a16:creationId xmlns:a16="http://schemas.microsoft.com/office/drawing/2014/main" xmlns="" id="{D4F77AD9-2732-432D-9A5E-57222A7935BD}"/>
+                <a16:creationId xmlns="" xmlns:a16="http://schemas.microsoft.com/office/drawing/2014/main" id="{D4F77AD9-2732-432D-9A5E-57222A7935BD}"/>
               </a:ext>
             </a:extLst>
           </p:cNvPr>
@@ -4181,7 +4181,7 @@
           <p:cNvPr id="2" name="Заголовок 1">
             <a:extLst>
               <a:ext uri="{FF2B5EF4-FFF2-40B4-BE49-F238E27FC236}">
-                <a16:creationId xmlns:a16="http://schemas.microsoft.com/office/drawing/2014/main" xmlns="" id="{9A791C6F-D99F-40A4-972B-E6A509D964B3}"/>
+                <a16:creationId xmlns="" xmlns:a16="http://schemas.microsoft.com/office/drawing/2014/main" id="{9A791C6F-D99F-40A4-972B-E6A509D964B3}"/>
               </a:ext>
             </a:extLst>
           </p:cNvPr>
@@ -4259,7 +4259,7 @@
           <p:cNvPr id="2" name="Title 1">
             <a:extLst>
               <a:ext uri="{FF2B5EF4-FFF2-40B4-BE49-F238E27FC236}">
-                <a16:creationId xmlns:a16="http://schemas.microsoft.com/office/drawing/2014/main" xmlns="" id="{FD616B05-4B85-5D48-9A5B-15D5D64ABBD3}"/>
+                <a16:creationId xmlns="" xmlns:a16="http://schemas.microsoft.com/office/drawing/2014/main" id="{FD616B05-4B85-5D48-9A5B-15D5D64ABBD3}"/>
               </a:ext>
             </a:extLst>
           </p:cNvPr>
@@ -4296,7 +4296,7 @@
           <p:cNvPr id="3" name="Content Placeholder 2">
             <a:extLst>
               <a:ext uri="{FF2B5EF4-FFF2-40B4-BE49-F238E27FC236}">
-                <a16:creationId xmlns:a16="http://schemas.microsoft.com/office/drawing/2014/main" xmlns="" id="{AEC3C0B6-E809-9541-968A-C17FB0308E89}"/>
+                <a16:creationId xmlns="" xmlns:a16="http://schemas.microsoft.com/office/drawing/2014/main" id="{AEC3C0B6-E809-9541-968A-C17FB0308E89}"/>
               </a:ext>
             </a:extLst>
           </p:cNvPr>
@@ -4377,7 +4377,7 @@
           <p:cNvPr id="6" name="Footer Placeholder 4">
             <a:extLst>
               <a:ext uri="{FF2B5EF4-FFF2-40B4-BE49-F238E27FC236}">
-                <a16:creationId xmlns:a16="http://schemas.microsoft.com/office/drawing/2014/main" xmlns="" id="{67231140-1CFD-604E-9043-CF24B588CE02}"/>
+                <a16:creationId xmlns="" xmlns:a16="http://schemas.microsoft.com/office/drawing/2014/main" id="{67231140-1CFD-604E-9043-CF24B588CE02}"/>
               </a:ext>
             </a:extLst>
           </p:cNvPr>
@@ -4429,7 +4429,7 @@
           <p:cNvPr id="7" name="Slide Number Placeholder 5">
             <a:extLst>
               <a:ext uri="{FF2B5EF4-FFF2-40B4-BE49-F238E27FC236}">
-                <a16:creationId xmlns:a16="http://schemas.microsoft.com/office/drawing/2014/main" xmlns="" id="{E515A3FA-235C-F948-BBCC-D89F48F72088}"/>
+                <a16:creationId xmlns="" xmlns:a16="http://schemas.microsoft.com/office/drawing/2014/main" id="{E515A3FA-235C-F948-BBCC-D89F48F72088}"/>
               </a:ext>
             </a:extLst>
           </p:cNvPr>
@@ -4536,7 +4536,7 @@
           <p:cNvPr id="3" name="Місце для вмісту 2">
             <a:extLst>
               <a:ext uri="{FF2B5EF4-FFF2-40B4-BE49-F238E27FC236}">
-                <a16:creationId xmlns:a16="http://schemas.microsoft.com/office/drawing/2014/main" xmlns="" id="{9C682F0F-1E71-4AA5-A2C6-6B562743287C}"/>
+                <a16:creationId xmlns="" xmlns:a16="http://schemas.microsoft.com/office/drawing/2014/main" id="{9C682F0F-1E71-4AA5-A2C6-6B562743287C}"/>
               </a:ext>
             </a:extLst>
           </p:cNvPr>
@@ -4599,7 +4599,7 @@
           <p:cNvPr id="4" name="Місце для дати 3">
             <a:extLst>
               <a:ext uri="{FF2B5EF4-FFF2-40B4-BE49-F238E27FC236}">
-                <a16:creationId xmlns:a16="http://schemas.microsoft.com/office/drawing/2014/main" xmlns="" id="{50E7B5AF-9CAA-4064-BD08-2449FFBA60DB}"/>
+                <a16:creationId xmlns="" xmlns:a16="http://schemas.microsoft.com/office/drawing/2014/main" id="{50E7B5AF-9CAA-4064-BD08-2449FFBA60DB}"/>
               </a:ext>
             </a:extLst>
           </p:cNvPr>
@@ -4628,7 +4628,7 @@
           <p:cNvPr id="5" name="Місце для нижнього колонтитула 4">
             <a:extLst>
               <a:ext uri="{FF2B5EF4-FFF2-40B4-BE49-F238E27FC236}">
-                <a16:creationId xmlns:a16="http://schemas.microsoft.com/office/drawing/2014/main" xmlns="" id="{9A556A2F-9214-4439-B62F-5F107B080531}"/>
+                <a16:creationId xmlns="" xmlns:a16="http://schemas.microsoft.com/office/drawing/2014/main" id="{9A556A2F-9214-4439-B62F-5F107B080531}"/>
               </a:ext>
             </a:extLst>
           </p:cNvPr>
@@ -4653,7 +4653,7 @@
           <p:cNvPr id="11" name="Прямокутник 10">
             <a:extLst>
               <a:ext uri="{FF2B5EF4-FFF2-40B4-BE49-F238E27FC236}">
-                <a16:creationId xmlns:a16="http://schemas.microsoft.com/office/drawing/2014/main" xmlns="" id="{183E0956-E712-44DE-9186-7F0DE26E1B60}"/>
+                <a16:creationId xmlns="" xmlns:a16="http://schemas.microsoft.com/office/drawing/2014/main" id="{183E0956-E712-44DE-9186-7F0DE26E1B60}"/>
               </a:ext>
             </a:extLst>
           </p:cNvPr>
@@ -4705,7 +4705,7 @@
           <p:cNvPr id="6" name="Місце для номера слайда 5">
             <a:extLst>
               <a:ext uri="{FF2B5EF4-FFF2-40B4-BE49-F238E27FC236}">
-                <a16:creationId xmlns:a16="http://schemas.microsoft.com/office/drawing/2014/main" xmlns="" id="{B89E5CC8-1FB3-4B16-B8C2-252421E47F44}"/>
+                <a16:creationId xmlns="" xmlns:a16="http://schemas.microsoft.com/office/drawing/2014/main" id="{B89E5CC8-1FB3-4B16-B8C2-252421E47F44}"/>
               </a:ext>
             </a:extLst>
           </p:cNvPr>
@@ -4734,7 +4734,7 @@
           <p:cNvPr id="10" name="Рисунок 9">
             <a:extLst>
               <a:ext uri="{FF2B5EF4-FFF2-40B4-BE49-F238E27FC236}">
-                <a16:creationId xmlns:a16="http://schemas.microsoft.com/office/drawing/2014/main" xmlns="" id="{D4F77AD9-2732-432D-9A5E-57222A7935BD}"/>
+                <a16:creationId xmlns="" xmlns:a16="http://schemas.microsoft.com/office/drawing/2014/main" id="{D4F77AD9-2732-432D-9A5E-57222A7935BD}"/>
               </a:ext>
             </a:extLst>
           </p:cNvPr>
@@ -4763,7 +4763,7 @@
           <p:cNvPr id="2" name="Заголовок 1">
             <a:extLst>
               <a:ext uri="{FF2B5EF4-FFF2-40B4-BE49-F238E27FC236}">
-                <a16:creationId xmlns:a16="http://schemas.microsoft.com/office/drawing/2014/main" xmlns="" id="{9A791C6F-D99F-40A4-972B-E6A509D964B3}"/>
+                <a16:creationId xmlns="" xmlns:a16="http://schemas.microsoft.com/office/drawing/2014/main" id="{9A791C6F-D99F-40A4-972B-E6A509D964B3}"/>
               </a:ext>
             </a:extLst>
           </p:cNvPr>
@@ -4797,7 +4797,7 @@
           <p:cNvPr id="9" name="Рисунок 8">
             <a:extLst>
               <a:ext uri="{FF2B5EF4-FFF2-40B4-BE49-F238E27FC236}">
-                <a16:creationId xmlns:a16="http://schemas.microsoft.com/office/drawing/2014/main" xmlns="" id="{E7D22262-4721-46BF-B000-42A512FA18E1}"/>
+                <a16:creationId xmlns="" xmlns:a16="http://schemas.microsoft.com/office/drawing/2014/main" id="{E7D22262-4721-46BF-B000-42A512FA18E1}"/>
               </a:ext>
             </a:extLst>
           </p:cNvPr>
@@ -4857,7 +4857,7 @@
           <p:cNvPr id="2" name="Заголовок 1">
             <a:extLst>
               <a:ext uri="{FF2B5EF4-FFF2-40B4-BE49-F238E27FC236}">
-                <a16:creationId xmlns:a16="http://schemas.microsoft.com/office/drawing/2014/main" xmlns="" id="{8FD8FEA3-1720-40B9-812E-AB82C517CA2A}"/>
+                <a16:creationId xmlns="" xmlns:a16="http://schemas.microsoft.com/office/drawing/2014/main" id="{8FD8FEA3-1720-40B9-812E-AB82C517CA2A}"/>
               </a:ext>
             </a:extLst>
           </p:cNvPr>
@@ -4895,7 +4895,7 @@
           <p:cNvPr id="3" name="Місце для тексту 2">
             <a:extLst>
               <a:ext uri="{FF2B5EF4-FFF2-40B4-BE49-F238E27FC236}">
-                <a16:creationId xmlns:a16="http://schemas.microsoft.com/office/drawing/2014/main" xmlns="" id="{9BB302A9-83F0-45B4-9A19-D37525F3AFA7}"/>
+                <a16:creationId xmlns="" xmlns:a16="http://schemas.microsoft.com/office/drawing/2014/main" id="{9BB302A9-83F0-45B4-9A19-D37525F3AFA7}"/>
               </a:ext>
             </a:extLst>
           </p:cNvPr>
@@ -5020,7 +5020,7 @@
           <p:cNvPr id="4" name="Місце для дати 3">
             <a:extLst>
               <a:ext uri="{FF2B5EF4-FFF2-40B4-BE49-F238E27FC236}">
-                <a16:creationId xmlns:a16="http://schemas.microsoft.com/office/drawing/2014/main" xmlns="" id="{9658542B-2C06-48E9-92B6-EEE3E5A9D7F7}"/>
+                <a16:creationId xmlns="" xmlns:a16="http://schemas.microsoft.com/office/drawing/2014/main" id="{9658542B-2C06-48E9-92B6-EEE3E5A9D7F7}"/>
               </a:ext>
             </a:extLst>
           </p:cNvPr>
@@ -5049,7 +5049,7 @@
           <p:cNvPr id="5" name="Місце для нижнього колонтитула 4">
             <a:extLst>
               <a:ext uri="{FF2B5EF4-FFF2-40B4-BE49-F238E27FC236}">
-                <a16:creationId xmlns:a16="http://schemas.microsoft.com/office/drawing/2014/main" xmlns="" id="{73B81976-9435-434D-8B2D-CACB749EFFAB}"/>
+                <a16:creationId xmlns="" xmlns:a16="http://schemas.microsoft.com/office/drawing/2014/main" id="{73B81976-9435-434D-8B2D-CACB749EFFAB}"/>
               </a:ext>
             </a:extLst>
           </p:cNvPr>
@@ -5074,7 +5074,7 @@
           <p:cNvPr id="6" name="Місце для номера слайда 5">
             <a:extLst>
               <a:ext uri="{FF2B5EF4-FFF2-40B4-BE49-F238E27FC236}">
-                <a16:creationId xmlns:a16="http://schemas.microsoft.com/office/drawing/2014/main" xmlns="" id="{DAFAD9EE-068E-496A-9D5C-68186762096E}"/>
+                <a16:creationId xmlns="" xmlns:a16="http://schemas.microsoft.com/office/drawing/2014/main" id="{DAFAD9EE-068E-496A-9D5C-68186762096E}"/>
               </a:ext>
             </a:extLst>
           </p:cNvPr>
@@ -5133,7 +5133,7 @@
           <p:cNvPr id="8" name="Прямокутник 7">
             <a:extLst>
               <a:ext uri="{FF2B5EF4-FFF2-40B4-BE49-F238E27FC236}">
-                <a16:creationId xmlns:a16="http://schemas.microsoft.com/office/drawing/2014/main" xmlns="" id="{CE8EE79B-B45F-4D08-B8C3-1E5FF2A5421B}"/>
+                <a16:creationId xmlns="" xmlns:a16="http://schemas.microsoft.com/office/drawing/2014/main" id="{CE8EE79B-B45F-4D08-B8C3-1E5FF2A5421B}"/>
               </a:ext>
             </a:extLst>
           </p:cNvPr>
@@ -5185,7 +5185,7 @@
           <p:cNvPr id="9" name="Рисунок 8">
             <a:extLst>
               <a:ext uri="{FF2B5EF4-FFF2-40B4-BE49-F238E27FC236}">
-                <a16:creationId xmlns:a16="http://schemas.microsoft.com/office/drawing/2014/main" xmlns="" id="{8668F248-1CE4-4BF7-9F6E-7627B0DF306C}"/>
+                <a16:creationId xmlns="" xmlns:a16="http://schemas.microsoft.com/office/drawing/2014/main" id="{8668F248-1CE4-4BF7-9F6E-7627B0DF306C}"/>
               </a:ext>
             </a:extLst>
           </p:cNvPr>
@@ -5214,7 +5214,7 @@
           <p:cNvPr id="2" name="Заголовок 1">
             <a:extLst>
               <a:ext uri="{FF2B5EF4-FFF2-40B4-BE49-F238E27FC236}">
-                <a16:creationId xmlns:a16="http://schemas.microsoft.com/office/drawing/2014/main" xmlns="" id="{372A989E-E5EF-455D-BB98-47C28B415C5E}"/>
+                <a16:creationId xmlns="" xmlns:a16="http://schemas.microsoft.com/office/drawing/2014/main" id="{372A989E-E5EF-455D-BB98-47C28B415C5E}"/>
               </a:ext>
             </a:extLst>
           </p:cNvPr>
@@ -5243,7 +5243,7 @@
           <p:cNvPr id="3" name="Місце для вмісту 2">
             <a:extLst>
               <a:ext uri="{FF2B5EF4-FFF2-40B4-BE49-F238E27FC236}">
-                <a16:creationId xmlns:a16="http://schemas.microsoft.com/office/drawing/2014/main" xmlns="" id="{533D92F0-BB20-4A74-BB53-46A1D05FA48B}"/>
+                <a16:creationId xmlns="" xmlns:a16="http://schemas.microsoft.com/office/drawing/2014/main" id="{533D92F0-BB20-4A74-BB53-46A1D05FA48B}"/>
               </a:ext>
             </a:extLst>
           </p:cNvPr>
@@ -5306,7 +5306,7 @@
           <p:cNvPr id="4" name="Місце для вмісту 3">
             <a:extLst>
               <a:ext uri="{FF2B5EF4-FFF2-40B4-BE49-F238E27FC236}">
-                <a16:creationId xmlns:a16="http://schemas.microsoft.com/office/drawing/2014/main" xmlns="" id="{08166210-1BEE-4374-AD8C-ECC8BA2BFC6D}"/>
+                <a16:creationId xmlns="" xmlns:a16="http://schemas.microsoft.com/office/drawing/2014/main" id="{08166210-1BEE-4374-AD8C-ECC8BA2BFC6D}"/>
               </a:ext>
             </a:extLst>
           </p:cNvPr>
@@ -5369,7 +5369,7 @@
           <p:cNvPr id="5" name="Місце для дати 4">
             <a:extLst>
               <a:ext uri="{FF2B5EF4-FFF2-40B4-BE49-F238E27FC236}">
-                <a16:creationId xmlns:a16="http://schemas.microsoft.com/office/drawing/2014/main" xmlns="" id="{4CD378A7-3CED-4624-8C34-99D5632859FC}"/>
+                <a16:creationId xmlns="" xmlns:a16="http://schemas.microsoft.com/office/drawing/2014/main" id="{4CD378A7-3CED-4624-8C34-99D5632859FC}"/>
               </a:ext>
             </a:extLst>
           </p:cNvPr>
@@ -5398,7 +5398,7 @@
           <p:cNvPr id="6" name="Місце для нижнього колонтитула 5">
             <a:extLst>
               <a:ext uri="{FF2B5EF4-FFF2-40B4-BE49-F238E27FC236}">
-                <a16:creationId xmlns:a16="http://schemas.microsoft.com/office/drawing/2014/main" xmlns="" id="{B0849F10-FCBF-4BD4-98E8-B813DAA6F8A7}"/>
+                <a16:creationId xmlns="" xmlns:a16="http://schemas.microsoft.com/office/drawing/2014/main" id="{B0849F10-FCBF-4BD4-98E8-B813DAA6F8A7}"/>
               </a:ext>
             </a:extLst>
           </p:cNvPr>
@@ -5423,7 +5423,7 @@
           <p:cNvPr id="7" name="Місце для номера слайда 6">
             <a:extLst>
               <a:ext uri="{FF2B5EF4-FFF2-40B4-BE49-F238E27FC236}">
-                <a16:creationId xmlns:a16="http://schemas.microsoft.com/office/drawing/2014/main" xmlns="" id="{C07F02BD-3745-469F-93D2-607C0A61E791}"/>
+                <a16:creationId xmlns="" xmlns:a16="http://schemas.microsoft.com/office/drawing/2014/main" id="{C07F02BD-3745-469F-93D2-607C0A61E791}"/>
               </a:ext>
             </a:extLst>
           </p:cNvPr>
@@ -5482,7 +5482,7 @@
           <p:cNvPr id="10" name="Прямокутник 9">
             <a:extLst>
               <a:ext uri="{FF2B5EF4-FFF2-40B4-BE49-F238E27FC236}">
-                <a16:creationId xmlns:a16="http://schemas.microsoft.com/office/drawing/2014/main" xmlns="" id="{C41D8F09-DAC8-4101-9279-0A9F436F0558}"/>
+                <a16:creationId xmlns="" xmlns:a16="http://schemas.microsoft.com/office/drawing/2014/main" id="{C41D8F09-DAC8-4101-9279-0A9F436F0558}"/>
               </a:ext>
             </a:extLst>
           </p:cNvPr>
@@ -5534,7 +5534,7 @@
           <p:cNvPr id="11" name="Рисунок 10">
             <a:extLst>
               <a:ext uri="{FF2B5EF4-FFF2-40B4-BE49-F238E27FC236}">
-                <a16:creationId xmlns:a16="http://schemas.microsoft.com/office/drawing/2014/main" xmlns="" id="{7D46EFA6-F078-44C8-9AA1-8B2618C6EDEE}"/>
+                <a16:creationId xmlns="" xmlns:a16="http://schemas.microsoft.com/office/drawing/2014/main" id="{7D46EFA6-F078-44C8-9AA1-8B2618C6EDEE}"/>
               </a:ext>
             </a:extLst>
           </p:cNvPr>
@@ -5563,7 +5563,7 @@
           <p:cNvPr id="2" name="Заголовок 1">
             <a:extLst>
               <a:ext uri="{FF2B5EF4-FFF2-40B4-BE49-F238E27FC236}">
-                <a16:creationId xmlns:a16="http://schemas.microsoft.com/office/drawing/2014/main" xmlns="" id="{EE94910C-515F-43A9-A4D7-F4FDF9EF65B7}"/>
+                <a16:creationId xmlns="" xmlns:a16="http://schemas.microsoft.com/office/drawing/2014/main" id="{EE94910C-515F-43A9-A4D7-F4FDF9EF65B7}"/>
               </a:ext>
             </a:extLst>
           </p:cNvPr>
@@ -5597,7 +5597,7 @@
           <p:cNvPr id="3" name="Місце для тексту 2">
             <a:extLst>
               <a:ext uri="{FF2B5EF4-FFF2-40B4-BE49-F238E27FC236}">
-                <a16:creationId xmlns:a16="http://schemas.microsoft.com/office/drawing/2014/main" xmlns="" id="{42D7D8A9-6C65-4560-9EF3-2E4DC1C7FA67}"/>
+                <a16:creationId xmlns="" xmlns:a16="http://schemas.microsoft.com/office/drawing/2014/main" id="{42D7D8A9-6C65-4560-9EF3-2E4DC1C7FA67}"/>
               </a:ext>
             </a:extLst>
           </p:cNvPr>
@@ -5668,7 +5668,7 @@
           <p:cNvPr id="4" name="Місце для вмісту 3">
             <a:extLst>
               <a:ext uri="{FF2B5EF4-FFF2-40B4-BE49-F238E27FC236}">
-                <a16:creationId xmlns:a16="http://schemas.microsoft.com/office/drawing/2014/main" xmlns="" id="{59ADB879-7803-4FAA-80C5-BEBA03351521}"/>
+                <a16:creationId xmlns="" xmlns:a16="http://schemas.microsoft.com/office/drawing/2014/main" id="{59ADB879-7803-4FAA-80C5-BEBA03351521}"/>
               </a:ext>
             </a:extLst>
           </p:cNvPr>
@@ -5731,7 +5731,7 @@
           <p:cNvPr id="5" name="Місце для тексту 4">
             <a:extLst>
               <a:ext uri="{FF2B5EF4-FFF2-40B4-BE49-F238E27FC236}">
-                <a16:creationId xmlns:a16="http://schemas.microsoft.com/office/drawing/2014/main" xmlns="" id="{FAD03418-713F-4946-8827-2FA0D57A25FC}"/>
+                <a16:creationId xmlns="" xmlns:a16="http://schemas.microsoft.com/office/drawing/2014/main" id="{FAD03418-713F-4946-8827-2FA0D57A25FC}"/>
               </a:ext>
             </a:extLst>
           </p:cNvPr>
@@ -5802,7 +5802,7 @@
           <p:cNvPr id="6" name="Місце для вмісту 5">
             <a:extLst>
               <a:ext uri="{FF2B5EF4-FFF2-40B4-BE49-F238E27FC236}">
-                <a16:creationId xmlns:a16="http://schemas.microsoft.com/office/drawing/2014/main" xmlns="" id="{8BBBA699-70C2-421C-B642-73209776CE45}"/>
+                <a16:creationId xmlns="" xmlns:a16="http://schemas.microsoft.com/office/drawing/2014/main" id="{8BBBA699-70C2-421C-B642-73209776CE45}"/>
               </a:ext>
             </a:extLst>
           </p:cNvPr>
@@ -5865,7 +5865,7 @@
           <p:cNvPr id="7" name="Місце для дати 6">
             <a:extLst>
               <a:ext uri="{FF2B5EF4-FFF2-40B4-BE49-F238E27FC236}">
-                <a16:creationId xmlns:a16="http://schemas.microsoft.com/office/drawing/2014/main" xmlns="" id="{80EA6CC8-67C3-4F37-A9DA-DD0555ECA764}"/>
+                <a16:creationId xmlns="" xmlns:a16="http://schemas.microsoft.com/office/drawing/2014/main" id="{80EA6CC8-67C3-4F37-A9DA-DD0555ECA764}"/>
               </a:ext>
             </a:extLst>
           </p:cNvPr>
@@ -5894,7 +5894,7 @@
           <p:cNvPr id="8" name="Місце для нижнього колонтитула 7">
             <a:extLst>
               <a:ext uri="{FF2B5EF4-FFF2-40B4-BE49-F238E27FC236}">
-                <a16:creationId xmlns:a16="http://schemas.microsoft.com/office/drawing/2014/main" xmlns="" id="{EE9F43BE-0976-40D3-871F-1AFD25E81B58}"/>
+                <a16:creationId xmlns="" xmlns:a16="http://schemas.microsoft.com/office/drawing/2014/main" id="{EE9F43BE-0976-40D3-871F-1AFD25E81B58}"/>
               </a:ext>
             </a:extLst>
           </p:cNvPr>
@@ -5919,7 +5919,7 @@
           <p:cNvPr id="9" name="Місце для номера слайда 8">
             <a:extLst>
               <a:ext uri="{FF2B5EF4-FFF2-40B4-BE49-F238E27FC236}">
-                <a16:creationId xmlns:a16="http://schemas.microsoft.com/office/drawing/2014/main" xmlns="" id="{F3EA3A47-8E5E-4FEF-9ED3-2A5342F74376}"/>
+                <a16:creationId xmlns="" xmlns:a16="http://schemas.microsoft.com/office/drawing/2014/main" id="{F3EA3A47-8E5E-4FEF-9ED3-2A5342F74376}"/>
               </a:ext>
             </a:extLst>
           </p:cNvPr>
@@ -5978,7 +5978,7 @@
           <p:cNvPr id="2" name="Заголовок 1">
             <a:extLst>
               <a:ext uri="{FF2B5EF4-FFF2-40B4-BE49-F238E27FC236}">
-                <a16:creationId xmlns:a16="http://schemas.microsoft.com/office/drawing/2014/main" xmlns="" id="{AD75D9BB-7B65-4EA9-9188-714F47EB28D5}"/>
+                <a16:creationId xmlns="" xmlns:a16="http://schemas.microsoft.com/office/drawing/2014/main" id="{AD75D9BB-7B65-4EA9-9188-714F47EB28D5}"/>
               </a:ext>
             </a:extLst>
           </p:cNvPr>
@@ -6007,7 +6007,7 @@
           <p:cNvPr id="3" name="Місце для дати 2">
             <a:extLst>
               <a:ext uri="{FF2B5EF4-FFF2-40B4-BE49-F238E27FC236}">
-                <a16:creationId xmlns:a16="http://schemas.microsoft.com/office/drawing/2014/main" xmlns="" id="{27656408-4A39-4918-8252-00891C9E8766}"/>
+                <a16:creationId xmlns="" xmlns:a16="http://schemas.microsoft.com/office/drawing/2014/main" id="{27656408-4A39-4918-8252-00891C9E8766}"/>
               </a:ext>
             </a:extLst>
           </p:cNvPr>
@@ -6036,7 +6036,7 @@
           <p:cNvPr id="4" name="Місце для нижнього колонтитула 3">
             <a:extLst>
               <a:ext uri="{FF2B5EF4-FFF2-40B4-BE49-F238E27FC236}">
-                <a16:creationId xmlns:a16="http://schemas.microsoft.com/office/drawing/2014/main" xmlns="" id="{B8A8AAC9-F296-4D2A-8396-E1100C588E52}"/>
+                <a16:creationId xmlns="" xmlns:a16="http://schemas.microsoft.com/office/drawing/2014/main" id="{B8A8AAC9-F296-4D2A-8396-E1100C588E52}"/>
               </a:ext>
             </a:extLst>
           </p:cNvPr>
@@ -6061,7 +6061,7 @@
           <p:cNvPr id="5" name="Місце для номера слайда 4">
             <a:extLst>
               <a:ext uri="{FF2B5EF4-FFF2-40B4-BE49-F238E27FC236}">
-                <a16:creationId xmlns:a16="http://schemas.microsoft.com/office/drawing/2014/main" xmlns="" id="{0D382803-7E12-4F17-8353-BF9605B16E44}"/>
+                <a16:creationId xmlns="" xmlns:a16="http://schemas.microsoft.com/office/drawing/2014/main" id="{0D382803-7E12-4F17-8353-BF9605B16E44}"/>
               </a:ext>
             </a:extLst>
           </p:cNvPr>
@@ -6120,7 +6120,7 @@
           <p:cNvPr id="2" name="Місце для дати 1">
             <a:extLst>
               <a:ext uri="{FF2B5EF4-FFF2-40B4-BE49-F238E27FC236}">
-                <a16:creationId xmlns:a16="http://schemas.microsoft.com/office/drawing/2014/main" xmlns="" id="{0C6F83B5-983C-41BE-B983-E9F67733202A}"/>
+                <a16:creationId xmlns="" xmlns:a16="http://schemas.microsoft.com/office/drawing/2014/main" id="{0C6F83B5-983C-41BE-B983-E9F67733202A}"/>
               </a:ext>
             </a:extLst>
           </p:cNvPr>
@@ -6149,7 +6149,7 @@
           <p:cNvPr id="3" name="Місце для нижнього колонтитула 2">
             <a:extLst>
               <a:ext uri="{FF2B5EF4-FFF2-40B4-BE49-F238E27FC236}">
-                <a16:creationId xmlns:a16="http://schemas.microsoft.com/office/drawing/2014/main" xmlns="" id="{D451DD98-0E1E-4AF6-BC08-97E1C679A3FF}"/>
+                <a16:creationId xmlns="" xmlns:a16="http://schemas.microsoft.com/office/drawing/2014/main" id="{D451DD98-0E1E-4AF6-BC08-97E1C679A3FF}"/>
               </a:ext>
             </a:extLst>
           </p:cNvPr>
@@ -6174,7 +6174,7 @@
           <p:cNvPr id="4" name="Місце для номера слайда 3">
             <a:extLst>
               <a:ext uri="{FF2B5EF4-FFF2-40B4-BE49-F238E27FC236}">
-                <a16:creationId xmlns:a16="http://schemas.microsoft.com/office/drawing/2014/main" xmlns="" id="{67404683-4E50-4260-BF02-9BAA84D2F2A3}"/>
+                <a16:creationId xmlns="" xmlns:a16="http://schemas.microsoft.com/office/drawing/2014/main" id="{67404683-4E50-4260-BF02-9BAA84D2F2A3}"/>
               </a:ext>
             </a:extLst>
           </p:cNvPr>
@@ -6233,7 +6233,7 @@
           <p:cNvPr id="2" name="Заголовок 1">
             <a:extLst>
               <a:ext uri="{FF2B5EF4-FFF2-40B4-BE49-F238E27FC236}">
-                <a16:creationId xmlns:a16="http://schemas.microsoft.com/office/drawing/2014/main" xmlns="" id="{E2B2824F-8BA8-4FAD-BEC3-F4EFBC0BA36E}"/>
+                <a16:creationId xmlns="" xmlns:a16="http://schemas.microsoft.com/office/drawing/2014/main" id="{E2B2824F-8BA8-4FAD-BEC3-F4EFBC0BA36E}"/>
               </a:ext>
             </a:extLst>
           </p:cNvPr>
@@ -6271,7 +6271,7 @@
           <p:cNvPr id="3" name="Місце для вмісту 2">
             <a:extLst>
               <a:ext uri="{FF2B5EF4-FFF2-40B4-BE49-F238E27FC236}">
-                <a16:creationId xmlns:a16="http://schemas.microsoft.com/office/drawing/2014/main" xmlns="" id="{AF8B1659-E590-4269-9DE4-163BD0EF3E00}"/>
+                <a16:creationId xmlns="" xmlns:a16="http://schemas.microsoft.com/office/drawing/2014/main" id="{AF8B1659-E590-4269-9DE4-163BD0EF3E00}"/>
               </a:ext>
             </a:extLst>
           </p:cNvPr>
@@ -6362,7 +6362,7 @@
           <p:cNvPr id="4" name="Місце для тексту 3">
             <a:extLst>
               <a:ext uri="{FF2B5EF4-FFF2-40B4-BE49-F238E27FC236}">
-                <a16:creationId xmlns:a16="http://schemas.microsoft.com/office/drawing/2014/main" xmlns="" id="{B410A566-2972-4F5B-8BC3-87BA42BF812B}"/>
+                <a16:creationId xmlns="" xmlns:a16="http://schemas.microsoft.com/office/drawing/2014/main" id="{B410A566-2972-4F5B-8BC3-87BA42BF812B}"/>
               </a:ext>
             </a:extLst>
           </p:cNvPr>
@@ -6433,7 +6433,7 @@
           <p:cNvPr id="5" name="Місце для дати 4">
             <a:extLst>
               <a:ext uri="{FF2B5EF4-FFF2-40B4-BE49-F238E27FC236}">
-                <a16:creationId xmlns:a16="http://schemas.microsoft.com/office/drawing/2014/main" xmlns="" id="{B2DE151F-BF7B-4CB1-A6EF-962332DF739D}"/>
+                <a16:creationId xmlns="" xmlns:a16="http://schemas.microsoft.com/office/drawing/2014/main" id="{B2DE151F-BF7B-4CB1-A6EF-962332DF739D}"/>
               </a:ext>
             </a:extLst>
           </p:cNvPr>
@@ -6462,7 +6462,7 @@
           <p:cNvPr id="6" name="Місце для нижнього колонтитула 5">
             <a:extLst>
               <a:ext uri="{FF2B5EF4-FFF2-40B4-BE49-F238E27FC236}">
-                <a16:creationId xmlns:a16="http://schemas.microsoft.com/office/drawing/2014/main" xmlns="" id="{389E7F2A-990F-41B0-9C27-048121D3FB9F}"/>
+                <a16:creationId xmlns="" xmlns:a16="http://schemas.microsoft.com/office/drawing/2014/main" id="{389E7F2A-990F-41B0-9C27-048121D3FB9F}"/>
               </a:ext>
             </a:extLst>
           </p:cNvPr>
@@ -6487,7 +6487,7 @@
           <p:cNvPr id="7" name="Місце для номера слайда 6">
             <a:extLst>
               <a:ext uri="{FF2B5EF4-FFF2-40B4-BE49-F238E27FC236}">
-                <a16:creationId xmlns:a16="http://schemas.microsoft.com/office/drawing/2014/main" xmlns="" id="{63653718-D0BC-436D-95B3-FDDC1C323AAC}"/>
+                <a16:creationId xmlns="" xmlns:a16="http://schemas.microsoft.com/office/drawing/2014/main" id="{63653718-D0BC-436D-95B3-FDDC1C323AAC}"/>
               </a:ext>
             </a:extLst>
           </p:cNvPr>
@@ -6551,7 +6551,7 @@
           <p:cNvPr id="2" name="Місце для заголовка 1">
             <a:extLst>
               <a:ext uri="{FF2B5EF4-FFF2-40B4-BE49-F238E27FC236}">
-                <a16:creationId xmlns:a16="http://schemas.microsoft.com/office/drawing/2014/main" xmlns="" id="{27FA5F2A-7D89-4E3E-B747-179F3024A55D}"/>
+                <a16:creationId xmlns="" xmlns:a16="http://schemas.microsoft.com/office/drawing/2014/main" id="{27FA5F2A-7D89-4E3E-B747-179F3024A55D}"/>
               </a:ext>
             </a:extLst>
           </p:cNvPr>
@@ -6590,7 +6590,7 @@
           <p:cNvPr id="3" name="Місце для тексту 2">
             <a:extLst>
               <a:ext uri="{FF2B5EF4-FFF2-40B4-BE49-F238E27FC236}">
-                <a16:creationId xmlns:a16="http://schemas.microsoft.com/office/drawing/2014/main" xmlns="" id="{21196B6B-A196-4776-BFCC-CDD0E2B5CBA1}"/>
+                <a16:creationId xmlns="" xmlns:a16="http://schemas.microsoft.com/office/drawing/2014/main" id="{21196B6B-A196-4776-BFCC-CDD0E2B5CBA1}"/>
               </a:ext>
             </a:extLst>
           </p:cNvPr>
@@ -6658,7 +6658,7 @@
           <p:cNvPr id="4" name="Місце для дати 3">
             <a:extLst>
               <a:ext uri="{FF2B5EF4-FFF2-40B4-BE49-F238E27FC236}">
-                <a16:creationId xmlns:a16="http://schemas.microsoft.com/office/drawing/2014/main" xmlns="" id="{64AE33AA-3463-45A6-9313-C57559A0B7F6}"/>
+                <a16:creationId xmlns="" xmlns:a16="http://schemas.microsoft.com/office/drawing/2014/main" id="{64AE33AA-3463-45A6-9313-C57559A0B7F6}"/>
               </a:ext>
             </a:extLst>
           </p:cNvPr>
@@ -6705,7 +6705,7 @@
           <p:cNvPr id="5" name="Місце для нижнього колонтитула 4">
             <a:extLst>
               <a:ext uri="{FF2B5EF4-FFF2-40B4-BE49-F238E27FC236}">
-                <a16:creationId xmlns:a16="http://schemas.microsoft.com/office/drawing/2014/main" xmlns="" id="{D8D743D4-CA58-4427-A39E-BCC028B3E7BD}"/>
+                <a16:creationId xmlns="" xmlns:a16="http://schemas.microsoft.com/office/drawing/2014/main" id="{D8D743D4-CA58-4427-A39E-BCC028B3E7BD}"/>
               </a:ext>
             </a:extLst>
           </p:cNvPr>
@@ -6748,7 +6748,7 @@
           <p:cNvPr id="6" name="Місце для номера слайда 5">
             <a:extLst>
               <a:ext uri="{FF2B5EF4-FFF2-40B4-BE49-F238E27FC236}">
-                <a16:creationId xmlns:a16="http://schemas.microsoft.com/office/drawing/2014/main" xmlns="" id="{5966DC26-D958-44B1-86EC-C6A451A6A1A9}"/>
+                <a16:creationId xmlns="" xmlns:a16="http://schemas.microsoft.com/office/drawing/2014/main" id="{5966DC26-D958-44B1-86EC-C6A451A6A1A9}"/>
               </a:ext>
             </a:extLst>
           </p:cNvPr>
@@ -6795,7 +6795,7 @@
           <p:cNvPr id="10" name="Рисунок 9">
             <a:extLst>
               <a:ext uri="{FF2B5EF4-FFF2-40B4-BE49-F238E27FC236}">
-                <a16:creationId xmlns:a16="http://schemas.microsoft.com/office/drawing/2014/main" xmlns="" id="{7053A6B1-582C-4B4E-B6CE-B47124436758}"/>
+                <a16:creationId xmlns="" xmlns:a16="http://schemas.microsoft.com/office/drawing/2014/main" id="{7053A6B1-582C-4B4E-B6CE-B47124436758}"/>
               </a:ext>
             </a:extLst>
           </p:cNvPr>
@@ -7167,7 +7167,7 @@
           <p:cNvPr id="4" name="Заголовок 3">
             <a:extLst>
               <a:ext uri="{FF2B5EF4-FFF2-40B4-BE49-F238E27FC236}">
-                <a16:creationId xmlns:a16="http://schemas.microsoft.com/office/drawing/2014/main" xmlns="" id="{41F95457-2192-4532-9719-EDFA8FCDC8B5}"/>
+                <a16:creationId xmlns="" xmlns:a16="http://schemas.microsoft.com/office/drawing/2014/main" id="{41F95457-2192-4532-9719-EDFA8FCDC8B5}"/>
               </a:ext>
             </a:extLst>
           </p:cNvPr>
@@ -7203,7 +7203,7 @@
           <p:cNvPr id="5" name="Підзаголовок 4">
             <a:extLst>
               <a:ext uri="{FF2B5EF4-FFF2-40B4-BE49-F238E27FC236}">
-                <a16:creationId xmlns:a16="http://schemas.microsoft.com/office/drawing/2014/main" xmlns="" id="{8476579A-0A84-4B64-BB2F-862F7498DE51}"/>
+                <a16:creationId xmlns="" xmlns:a16="http://schemas.microsoft.com/office/drawing/2014/main" id="{8476579A-0A84-4B64-BB2F-862F7498DE51}"/>
               </a:ext>
             </a:extLst>
           </p:cNvPr>
@@ -7255,7 +7255,7 @@
           <p:cNvPr id="6" name="Заголовок 3">
             <a:extLst>
               <a:ext uri="{FF2B5EF4-FFF2-40B4-BE49-F238E27FC236}">
-                <a16:creationId xmlns:a16="http://schemas.microsoft.com/office/drawing/2014/main" xmlns="" id="{41F95457-2192-4532-9719-EDFA8FCDC8B5}"/>
+                <a16:creationId xmlns="" xmlns:a16="http://schemas.microsoft.com/office/drawing/2014/main" id="{41F95457-2192-4532-9719-EDFA8FCDC8B5}"/>
               </a:ext>
             </a:extLst>
           </p:cNvPr>
@@ -7468,7 +7468,7 @@
           <p:cNvPr id="3" name="Заголовок 2">
             <a:extLst>
               <a:ext uri="{FF2B5EF4-FFF2-40B4-BE49-F238E27FC236}">
-                <a16:creationId xmlns:a16="http://schemas.microsoft.com/office/drawing/2014/main" xmlns="" id="{7E521DC4-9C11-4523-A266-DE6237C3AA20}"/>
+                <a16:creationId xmlns="" xmlns:a16="http://schemas.microsoft.com/office/drawing/2014/main" id="{7E521DC4-9C11-4523-A266-DE6237C3AA20}"/>
               </a:ext>
             </a:extLst>
           </p:cNvPr>
@@ -7542,7 +7542,7 @@
           <p:cNvPr id="2" name="Місце для вмісту 1">
             <a:extLst>
               <a:ext uri="{FF2B5EF4-FFF2-40B4-BE49-F238E27FC236}">
-                <a16:creationId xmlns:a16="http://schemas.microsoft.com/office/drawing/2014/main" xmlns="" id="{B9AB4192-A602-4FD4-8C05-42C77D9D2E6A}"/>
+                <a16:creationId xmlns="" xmlns:a16="http://schemas.microsoft.com/office/drawing/2014/main" id="{B9AB4192-A602-4FD4-8C05-42C77D9D2E6A}"/>
               </a:ext>
             </a:extLst>
           </p:cNvPr>
@@ -7667,7 +7667,7 @@
           <p:cNvPr id="3" name="Заголовок 2">
             <a:extLst>
               <a:ext uri="{FF2B5EF4-FFF2-40B4-BE49-F238E27FC236}">
-                <a16:creationId xmlns:a16="http://schemas.microsoft.com/office/drawing/2014/main" xmlns="" id="{7E521DC4-9C11-4523-A266-DE6237C3AA20}"/>
+                <a16:creationId xmlns="" xmlns:a16="http://schemas.microsoft.com/office/drawing/2014/main" id="{7E521DC4-9C11-4523-A266-DE6237C3AA20}"/>
               </a:ext>
             </a:extLst>
           </p:cNvPr>
@@ -7736,7 +7736,7 @@
           <p:cNvPr id="2" name="Місце для вмісту 1">
             <a:extLst>
               <a:ext uri="{FF2B5EF4-FFF2-40B4-BE49-F238E27FC236}">
-                <a16:creationId xmlns:a16="http://schemas.microsoft.com/office/drawing/2014/main" xmlns="" id="{B9AB4192-A602-4FD4-8C05-42C77D9D2E6A}"/>
+                <a16:creationId xmlns="" xmlns:a16="http://schemas.microsoft.com/office/drawing/2014/main" id="{B9AB4192-A602-4FD4-8C05-42C77D9D2E6A}"/>
               </a:ext>
             </a:extLst>
           </p:cNvPr>
@@ -7844,7 +7844,7 @@
           <p:cNvPr id="3" name="Заголовок 2">
             <a:extLst>
               <a:ext uri="{FF2B5EF4-FFF2-40B4-BE49-F238E27FC236}">
-                <a16:creationId xmlns:a16="http://schemas.microsoft.com/office/drawing/2014/main" xmlns="" id="{7E521DC4-9C11-4523-A266-DE6237C3AA20}"/>
+                <a16:creationId xmlns="" xmlns:a16="http://schemas.microsoft.com/office/drawing/2014/main" id="{7E521DC4-9C11-4523-A266-DE6237C3AA20}"/>
               </a:ext>
             </a:extLst>
           </p:cNvPr>
@@ -7913,7 +7913,7 @@
           <p:cNvPr id="3" name="Заголовок 2">
             <a:extLst>
               <a:ext uri="{FF2B5EF4-FFF2-40B4-BE49-F238E27FC236}">
-                <a16:creationId xmlns:a16="http://schemas.microsoft.com/office/drawing/2014/main" xmlns="" id="{7E521DC4-9C11-4523-A266-DE6237C3AA20}"/>
+                <a16:creationId xmlns="" xmlns:a16="http://schemas.microsoft.com/office/drawing/2014/main" id="{7E521DC4-9C11-4523-A266-DE6237C3AA20}"/>
               </a:ext>
             </a:extLst>
           </p:cNvPr>
@@ -8006,7 +8006,7 @@
           <p:cNvPr id="3" name="Заголовок 2">
             <a:extLst>
               <a:ext uri="{FF2B5EF4-FFF2-40B4-BE49-F238E27FC236}">
-                <a16:creationId xmlns:a16="http://schemas.microsoft.com/office/drawing/2014/main" xmlns="" id="{7E521DC4-9C11-4523-A266-DE6237C3AA20}"/>
+                <a16:creationId xmlns="" xmlns:a16="http://schemas.microsoft.com/office/drawing/2014/main" id="{7E521DC4-9C11-4523-A266-DE6237C3AA20}"/>
               </a:ext>
             </a:extLst>
           </p:cNvPr>
@@ -8098,7 +8098,7 @@
           <p:cNvPr id="3" name="Заголовок 2">
             <a:extLst>
               <a:ext uri="{FF2B5EF4-FFF2-40B4-BE49-F238E27FC236}">
-                <a16:creationId xmlns:a16="http://schemas.microsoft.com/office/drawing/2014/main" xmlns="" id="{7E521DC4-9C11-4523-A266-DE6237C3AA20}"/>
+                <a16:creationId xmlns="" xmlns:a16="http://schemas.microsoft.com/office/drawing/2014/main" id="{7E521DC4-9C11-4523-A266-DE6237C3AA20}"/>
               </a:ext>
             </a:extLst>
           </p:cNvPr>
@@ -8190,7 +8190,7 @@
           <p:cNvPr id="2" name="Місце для вмісту 1">
             <a:extLst>
               <a:ext uri="{FF2B5EF4-FFF2-40B4-BE49-F238E27FC236}">
-                <a16:creationId xmlns:a16="http://schemas.microsoft.com/office/drawing/2014/main" xmlns="" id="{B9AB4192-A602-4FD4-8C05-42C77D9D2E6A}"/>
+                <a16:creationId xmlns="" xmlns:a16="http://schemas.microsoft.com/office/drawing/2014/main" id="{B9AB4192-A602-4FD4-8C05-42C77D9D2E6A}"/>
               </a:ext>
             </a:extLst>
           </p:cNvPr>
@@ -8209,7 +8209,7 @@
         </p:spPr>
         <p:txBody>
           <a:bodyPr>
-            <a:normAutofit fontScale="92500" lnSpcReduction="20000"/>
+            <a:normAutofit lnSpcReduction="10000"/>
           </a:bodyPr>
           <a:lstStyle/>
           <a:p>
@@ -8285,29 +8285,15 @@
             </a:r>
             <a:r>
               <a:rPr lang="en-US" dirty="0"/>
-              <a:t>USB Agent v.0.3a</a:t>
-            </a:r>
-          </a:p>
-          <a:p>
-            <a:r>
-              <a:rPr lang="en-US" b="1" dirty="0"/>
-              <a:t>Proofs of goal reach:</a:t>
-            </a:r>
-            <a:r>
-              <a:rPr lang="uk-UA" b="1" dirty="0"/>
-              <a:t> </a:t>
-            </a:r>
-            <a:r>
-              <a:rPr lang="uk-UA" dirty="0"/>
-              <a:t>демонстрація роботи компоненти, програмний код на </a:t>
-            </a:r>
-            <a:r>
-              <a:rPr lang="en-US" dirty="0" err="1"/>
-              <a:t>Gitlab</a:t>
-            </a:r>
-            <a:r>
-              <a:rPr lang="uk-UA" dirty="0"/>
-              <a:t>.</a:t>
+              <a:t>USB </a:t>
+            </a:r>
+            <a:r>
+              <a:rPr lang="en-US"/>
+              <a:t>Agent </a:t>
+            </a:r>
+            <a:r>
+              <a:rPr lang="en-US" smtClean="0"/>
+              <a:t>v.0.3a</a:t>
             </a:r>
             <a:endParaRPr lang="en-US" dirty="0"/>
           </a:p>
@@ -8318,7 +8304,7 @@
           <p:cNvPr id="3" name="Заголовок 2">
             <a:extLst>
               <a:ext uri="{FF2B5EF4-FFF2-40B4-BE49-F238E27FC236}">
-                <a16:creationId xmlns:a16="http://schemas.microsoft.com/office/drawing/2014/main" xmlns="" id="{7E521DC4-9C11-4523-A266-DE6237C3AA20}"/>
+                <a16:creationId xmlns="" xmlns:a16="http://schemas.microsoft.com/office/drawing/2014/main" id="{7E521DC4-9C11-4523-A266-DE6237C3AA20}"/>
               </a:ext>
             </a:extLst>
           </p:cNvPr>
@@ -8387,7 +8373,7 @@
           <p:cNvPr id="2" name="Місце для вмісту 1">
             <a:extLst>
               <a:ext uri="{FF2B5EF4-FFF2-40B4-BE49-F238E27FC236}">
-                <a16:creationId xmlns:a16="http://schemas.microsoft.com/office/drawing/2014/main" xmlns="" id="{B9AB4192-A602-4FD4-8C05-42C77D9D2E6A}"/>
+                <a16:creationId xmlns="" xmlns:a16="http://schemas.microsoft.com/office/drawing/2014/main" id="{B9AB4192-A602-4FD4-8C05-42C77D9D2E6A}"/>
               </a:ext>
             </a:extLst>
           </p:cNvPr>
@@ -8472,7 +8458,7 @@
           <p:cNvPr id="3" name="Заголовок 2">
             <a:extLst>
               <a:ext uri="{FF2B5EF4-FFF2-40B4-BE49-F238E27FC236}">
-                <a16:creationId xmlns:a16="http://schemas.microsoft.com/office/drawing/2014/main" xmlns="" id="{7E521DC4-9C11-4523-A266-DE6237C3AA20}"/>
+                <a16:creationId xmlns="" xmlns:a16="http://schemas.microsoft.com/office/drawing/2014/main" id="{7E521DC4-9C11-4523-A266-DE6237C3AA20}"/>
               </a:ext>
             </a:extLst>
           </p:cNvPr>
@@ -8541,7 +8527,7 @@
           <p:cNvPr id="2" name="Місце для вмісту 1">
             <a:extLst>
               <a:ext uri="{FF2B5EF4-FFF2-40B4-BE49-F238E27FC236}">
-                <a16:creationId xmlns:a16="http://schemas.microsoft.com/office/drawing/2014/main" xmlns="" id="{B9AB4192-A602-4FD4-8C05-42C77D9D2E6A}"/>
+                <a16:creationId xmlns="" xmlns:a16="http://schemas.microsoft.com/office/drawing/2014/main" id="{B9AB4192-A602-4FD4-8C05-42C77D9D2E6A}"/>
               </a:ext>
             </a:extLst>
           </p:cNvPr>
@@ -8628,7 +8614,7 @@
           <p:cNvPr id="3" name="Заголовок 2">
             <a:extLst>
               <a:ext uri="{FF2B5EF4-FFF2-40B4-BE49-F238E27FC236}">
-                <a16:creationId xmlns:a16="http://schemas.microsoft.com/office/drawing/2014/main" xmlns="" id="{7E521DC4-9C11-4523-A266-DE6237C3AA20}"/>
+                <a16:creationId xmlns="" xmlns:a16="http://schemas.microsoft.com/office/drawing/2014/main" id="{7E521DC4-9C11-4523-A266-DE6237C3AA20}"/>
               </a:ext>
             </a:extLst>
           </p:cNvPr>
